--- a/ppt/work report_zhangfeng_20180513.pptx
+++ b/ppt/work report_zhangfeng_20180513.pptx
@@ -7,10 +7,10 @@
   <p:sldIdLst>
     <p:sldId id="262" r:id="rId2"/>
     <p:sldId id="263" r:id="rId3"/>
-    <p:sldId id="264" r:id="rId4"/>
-    <p:sldId id="265" r:id="rId5"/>
-    <p:sldId id="256" r:id="rId6"/>
-    <p:sldId id="266" r:id="rId7"/>
+    <p:sldId id="266" r:id="rId4"/>
+    <p:sldId id="264" r:id="rId5"/>
+    <p:sldId id="265" r:id="rId6"/>
+    <p:sldId id="256" r:id="rId7"/>
     <p:sldId id="261" r:id="rId8"/>
     <p:sldId id="257" r:id="rId9"/>
     <p:sldId id="267" r:id="rId10"/>
@@ -4292,7 +4292,7 @@
           <a:graphicData uri="http://schemas.openxmlformats.org/presentationml/2006/ole">
             <mc:AlternateContent xmlns:mc="http://schemas.openxmlformats.org/markup-compatibility/2006">
               <mc:Choice xmlns:v="urn:schemas-microsoft-com:vml" Requires="v">
-                <p:oleObj spid="_x0000_s1850" name="Equation" r:id="rId3" imgW="3073320" imgH="228600" progId="Equation.DSMT4">
+                <p:oleObj spid="_x0000_s1860" name="Equation" r:id="rId3" imgW="3073320" imgH="228600" progId="Equation.DSMT4">
                   <p:embed/>
                 </p:oleObj>
               </mc:Choice>
@@ -4329,32 +4329,32 @@
       </p:graphicFrame>
       <p:graphicFrame>
         <p:nvGraphicFramePr>
-          <p:cNvPr id="6" name="对象 5"/>
+          <p:cNvPr id="7" name="对象 6"/>
           <p:cNvGraphicFramePr>
             <a:graphicFrameLocks noChangeAspect="1"/>
           </p:cNvGraphicFramePr>
           <p:nvPr>
             <p:extLst>
               <p:ext uri="{D42A27DB-BD31-4B8C-83A1-F6EECF244321}">
-                <p14:modId xmlns:p14="http://schemas.microsoft.com/office/powerpoint/2010/main" val="3262130032"/>
+                <p14:modId xmlns:p14="http://schemas.microsoft.com/office/powerpoint/2010/main" val="1720582465"/>
               </p:ext>
             </p:extLst>
           </p:nvPr>
         </p:nvGraphicFramePr>
         <p:xfrm>
-          <a:off x="651248" y="2095333"/>
-          <a:ext cx="6032500" cy="777875"/>
+          <a:off x="647700" y="2708704"/>
+          <a:ext cx="7887235" cy="1440591"/>
         </p:xfrm>
         <a:graphic>
           <a:graphicData uri="http://schemas.openxmlformats.org/presentationml/2006/ole">
             <mc:AlternateContent xmlns:mc="http://schemas.openxmlformats.org/markup-compatibility/2006">
               <mc:Choice xmlns:v="urn:schemas-microsoft-com:vml" Requires="v">
-                <p:oleObj spid="_x0000_s1851" name="Equation" r:id="rId5" imgW="1968480" imgH="253800" progId="Equation.DSMT4">
+                <p:oleObj spid="_x0000_s1861" name="Equation" r:id="rId5" imgW="2781000" imgH="507960" progId="Equation.DSMT4">
                   <p:embed/>
                 </p:oleObj>
               </mc:Choice>
               <mc:Fallback>
-                <p:oleObj name="Equation" r:id="rId5" imgW="1968480" imgH="253800" progId="Equation.DSMT4">
+                <p:oleObj name="Equation" r:id="rId5" imgW="2781000" imgH="507960" progId="Equation.DSMT4">
                   <p:embed/>
                   <p:pic>
                     <p:nvPicPr>
@@ -4370,64 +4370,7 @@
                     </p:blipFill>
                     <p:spPr>
                       <a:xfrm>
-                        <a:off x="651248" y="2095333"/>
-                        <a:ext cx="6032500" cy="777875"/>
-                      </a:xfrm>
-                      <a:prstGeom prst="rect">
-                        <a:avLst/>
-                      </a:prstGeom>
-                    </p:spPr>
-                  </p:pic>
-                </p:oleObj>
-              </mc:Fallback>
-            </mc:AlternateContent>
-          </a:graphicData>
-        </a:graphic>
-      </p:graphicFrame>
-      <p:graphicFrame>
-        <p:nvGraphicFramePr>
-          <p:cNvPr id="7" name="对象 6"/>
-          <p:cNvGraphicFramePr>
-            <a:graphicFrameLocks noChangeAspect="1"/>
-          </p:cNvGraphicFramePr>
-          <p:nvPr>
-            <p:extLst>
-              <p:ext uri="{D42A27DB-BD31-4B8C-83A1-F6EECF244321}">
-                <p14:modId xmlns:p14="http://schemas.microsoft.com/office/powerpoint/2010/main" val="167847989"/>
-              </p:ext>
-            </p:extLst>
-          </p:nvPr>
-        </p:nvGraphicFramePr>
-        <p:xfrm>
-          <a:off x="651247" y="3172506"/>
-          <a:ext cx="7887235" cy="1440591"/>
-        </p:xfrm>
-        <a:graphic>
-          <a:graphicData uri="http://schemas.openxmlformats.org/presentationml/2006/ole">
-            <mc:AlternateContent xmlns:mc="http://schemas.openxmlformats.org/markup-compatibility/2006">
-              <mc:Choice xmlns:v="urn:schemas-microsoft-com:vml" Requires="v">
-                <p:oleObj spid="_x0000_s1852" name="Equation" r:id="rId7" imgW="2781000" imgH="507960" progId="Equation.DSMT4">
-                  <p:embed/>
-                </p:oleObj>
-              </mc:Choice>
-              <mc:Fallback>
-                <p:oleObj name="Equation" r:id="rId7" imgW="2781000" imgH="507960" progId="Equation.DSMT4">
-                  <p:embed/>
-                  <p:pic>
-                    <p:nvPicPr>
-                      <p:cNvPr id="0" name=""/>
-                      <p:cNvPicPr/>
-                      <p:nvPr/>
-                    </p:nvPicPr>
-                    <p:blipFill>
-                      <a:blip r:embed="rId8"/>
-                      <a:stretch>
-                        <a:fillRect/>
-                      </a:stretch>
-                    </p:blipFill>
-                    <p:spPr>
-                      <a:xfrm>
-                        <a:off x="651247" y="3172506"/>
+                        <a:off x="647700" y="2708704"/>
                         <a:ext cx="7887235" cy="1440591"/>
                       </a:xfrm>
                       <a:prstGeom prst="rect">
@@ -4450,25 +4393,25 @@
           <p:nvPr>
             <p:extLst>
               <p:ext uri="{D42A27DB-BD31-4B8C-83A1-F6EECF244321}">
-                <p14:modId xmlns:p14="http://schemas.microsoft.com/office/powerpoint/2010/main" val="3688090952"/>
+                <p14:modId xmlns:p14="http://schemas.microsoft.com/office/powerpoint/2010/main" val="3000402251"/>
               </p:ext>
             </p:extLst>
           </p:nvPr>
         </p:nvGraphicFramePr>
         <p:xfrm>
-          <a:off x="647148" y="4912395"/>
-          <a:ext cx="5448852" cy="1343553"/>
+          <a:off x="647700" y="5246688"/>
+          <a:ext cx="5448300" cy="673100"/>
         </p:xfrm>
         <a:graphic>
           <a:graphicData uri="http://schemas.openxmlformats.org/presentationml/2006/ole">
             <mc:AlternateContent xmlns:mc="http://schemas.openxmlformats.org/markup-compatibility/2006">
               <mc:Choice xmlns:v="urn:schemas-microsoft-com:vml" Requires="v">
-                <p:oleObj spid="_x0000_s1853" name="Equation" r:id="rId9" imgW="1854000" imgH="457200" progId="Equation.DSMT4">
+                <p:oleObj spid="_x0000_s1862" name="Equation" r:id="rId7" imgW="1854000" imgH="228600" progId="Equation.DSMT4">
                   <p:embed/>
                 </p:oleObj>
               </mc:Choice>
               <mc:Fallback>
-                <p:oleObj name="Equation" r:id="rId9" imgW="1854000" imgH="457200" progId="Equation.DSMT4">
+                <p:oleObj name="Equation" r:id="rId7" imgW="1854000" imgH="228600" progId="Equation.DSMT4">
                   <p:embed/>
                   <p:pic>
                     <p:nvPicPr>
@@ -4477,15 +4420,15 @@
                       <p:nvPr/>
                     </p:nvPicPr>
                     <p:blipFill>
-                      <a:blip r:embed="rId10"/>
+                      <a:blip r:embed="rId8"/>
                       <a:stretch>
                         <a:fillRect/>
                       </a:stretch>
                     </p:blipFill>
                     <p:spPr>
                       <a:xfrm>
-                        <a:off x="647148" y="4912395"/>
-                        <a:ext cx="5448852" cy="1343553"/>
+                        <a:off x="647700" y="5246688"/>
+                        <a:ext cx="5448300" cy="673100"/>
                       </a:xfrm>
                       <a:prstGeom prst="rect">
                         <a:avLst/>
@@ -4623,7 +4566,7 @@
                                           </p:stCondLst>
                                         </p:cTn>
                                         <p:tgtEl>
-                                          <p:spTgt spid="6"/>
+                                          <p:spTgt spid="7"/>
                                         </p:tgtEl>
                                         <p:attrNameLst>
                                           <p:attrName>style.visibility</p:attrName>
@@ -4663,51 +4606,6 @@
                                     <p:set>
                                       <p:cBhvr>
                                         <p:cTn id="14" dur="1" fill="hold">
-                                          <p:stCondLst>
-                                            <p:cond delay="0"/>
-                                          </p:stCondLst>
-                                        </p:cTn>
-                                        <p:tgtEl>
-                                          <p:spTgt spid="7"/>
-                                        </p:tgtEl>
-                                        <p:attrNameLst>
-                                          <p:attrName>style.visibility</p:attrName>
-                                        </p:attrNameLst>
-                                      </p:cBhvr>
-                                      <p:to>
-                                        <p:strVal val="visible"/>
-                                      </p:to>
-                                    </p:set>
-                                  </p:childTnLst>
-                                </p:cTn>
-                              </p:par>
-                            </p:childTnLst>
-                          </p:cTn>
-                        </p:par>
-                      </p:childTnLst>
-                    </p:cTn>
-                  </p:par>
-                  <p:par>
-                    <p:cTn id="15" fill="hold">
-                      <p:stCondLst>
-                        <p:cond delay="indefinite"/>
-                      </p:stCondLst>
-                      <p:childTnLst>
-                        <p:par>
-                          <p:cTn id="16" fill="hold">
-                            <p:stCondLst>
-                              <p:cond delay="0"/>
-                            </p:stCondLst>
-                            <p:childTnLst>
-                              <p:par>
-                                <p:cTn id="17" presetID="1" presetClass="entr" presetSubtype="0" fill="hold" nodeType="clickEffect">
-                                  <p:stCondLst>
-                                    <p:cond delay="0"/>
-                                  </p:stCondLst>
-                                  <p:childTnLst>
-                                    <p:set>
-                                      <p:cBhvr>
-                                        <p:cTn id="18" dur="1" fill="hold">
                                           <p:stCondLst>
                                             <p:cond delay="0"/>
                                           </p:stCondLst>
@@ -5678,20 +5576,20 @@
           <p:nvPr>
             <p:extLst>
               <p:ext uri="{D42A27DB-BD31-4B8C-83A1-F6EECF244321}">
-                <p14:modId xmlns:p14="http://schemas.microsoft.com/office/powerpoint/2010/main" val="2673598426"/>
+                <p14:modId xmlns:p14="http://schemas.microsoft.com/office/powerpoint/2010/main" val="1184497193"/>
               </p:ext>
             </p:extLst>
           </p:nvPr>
         </p:nvGraphicFramePr>
         <p:xfrm>
-          <a:off x="1468653" y="4529406"/>
+          <a:off x="1468653" y="5505450"/>
           <a:ext cx="7143750" cy="844550"/>
         </p:xfrm>
         <a:graphic>
           <a:graphicData uri="http://schemas.openxmlformats.org/presentationml/2006/ole">
             <mc:AlternateContent xmlns:mc="http://schemas.openxmlformats.org/markup-compatibility/2006">
               <mc:Choice xmlns:v="urn:schemas-microsoft-com:vml" Requires="v">
-                <p:oleObj spid="_x0000_s3467" name="Equation" r:id="rId3" imgW="2145960" imgH="253800" progId="Equation.DSMT4">
+                <p:oleObj spid="_x0000_s3476" name="Equation" r:id="rId3" imgW="2145960" imgH="253800" progId="Equation.DSMT4">
                   <p:embed/>
                 </p:oleObj>
               </mc:Choice>
@@ -5712,7 +5610,7 @@
                     </p:blipFill>
                     <p:spPr>
                       <a:xfrm>
-                        <a:off x="1468653" y="4529406"/>
+                        <a:off x="1468653" y="5505450"/>
                         <a:ext cx="7143750" cy="844550"/>
                       </a:xfrm>
                       <a:prstGeom prst="rect">
@@ -5735,20 +5633,20 @@
           <p:nvPr>
             <p:extLst>
               <p:ext uri="{D42A27DB-BD31-4B8C-83A1-F6EECF244321}">
-                <p14:modId xmlns:p14="http://schemas.microsoft.com/office/powerpoint/2010/main" val="4120424365"/>
+                <p14:modId xmlns:p14="http://schemas.microsoft.com/office/powerpoint/2010/main" val="2930813857"/>
               </p:ext>
             </p:extLst>
           </p:nvPr>
         </p:nvGraphicFramePr>
         <p:xfrm>
-          <a:off x="1468653" y="1297166"/>
+          <a:off x="1468653" y="2273210"/>
           <a:ext cx="6877050" cy="1292225"/>
         </p:xfrm>
         <a:graphic>
           <a:graphicData uri="http://schemas.openxmlformats.org/presentationml/2006/ole">
             <mc:AlternateContent xmlns:mc="http://schemas.openxmlformats.org/markup-compatibility/2006">
               <mc:Choice xmlns:v="urn:schemas-microsoft-com:vml" Requires="v">
-                <p:oleObj spid="_x0000_s3468" name="Equation" r:id="rId5" imgW="2298600" imgH="431640" progId="Equation.DSMT4">
+                <p:oleObj spid="_x0000_s3477" name="Equation" r:id="rId5" imgW="2298600" imgH="431640" progId="Equation.DSMT4">
                   <p:embed/>
                 </p:oleObj>
               </mc:Choice>
@@ -5769,7 +5667,7 @@
                     </p:blipFill>
                     <p:spPr>
                       <a:xfrm>
-                        <a:off x="1468653" y="1297166"/>
+                        <a:off x="1468653" y="2273210"/>
                         <a:ext cx="6877050" cy="1292225"/>
                       </a:xfrm>
                       <a:prstGeom prst="rect">
@@ -5792,20 +5690,20 @@
           <p:nvPr>
             <p:extLst>
               <p:ext uri="{D42A27DB-BD31-4B8C-83A1-F6EECF244321}">
-                <p14:modId xmlns:p14="http://schemas.microsoft.com/office/powerpoint/2010/main" val="1817861444"/>
+                <p14:modId xmlns:p14="http://schemas.microsoft.com/office/powerpoint/2010/main" val="3075563616"/>
               </p:ext>
             </p:extLst>
           </p:nvPr>
         </p:nvGraphicFramePr>
         <p:xfrm>
-          <a:off x="1468653" y="3011487"/>
+          <a:off x="1468653" y="3987531"/>
           <a:ext cx="7218362" cy="835025"/>
         </p:xfrm>
         <a:graphic>
           <a:graphicData uri="http://schemas.openxmlformats.org/presentationml/2006/ole">
             <mc:AlternateContent xmlns:mc="http://schemas.openxmlformats.org/markup-compatibility/2006">
               <mc:Choice xmlns:v="urn:schemas-microsoft-com:vml" Requires="v">
-                <p:oleObj spid="_x0000_s3469" name="Equation" r:id="rId7" imgW="2412720" imgH="279360" progId="Equation.DSMT4">
+                <p:oleObj spid="_x0000_s3478" name="Equation" r:id="rId7" imgW="2412720" imgH="279360" progId="Equation.DSMT4">
                   <p:embed/>
                 </p:oleObj>
               </mc:Choice>
@@ -5826,7 +5724,7 @@
                     </p:blipFill>
                     <p:spPr>
                       <a:xfrm>
-                        <a:off x="1468653" y="3011487"/>
+                        <a:off x="1468653" y="3987531"/>
                         <a:ext cx="7218362" cy="835025"/>
                       </a:xfrm>
                       <a:prstGeom prst="rect">
@@ -5883,6 +5781,63 @@
           </a:p>
         </p:txBody>
       </p:sp>
+      <p:graphicFrame>
+        <p:nvGraphicFramePr>
+          <p:cNvPr id="6" name="对象 5"/>
+          <p:cNvGraphicFramePr>
+            <a:graphicFrameLocks noChangeAspect="1"/>
+          </p:cNvGraphicFramePr>
+          <p:nvPr>
+            <p:extLst>
+              <p:ext uri="{D42A27DB-BD31-4B8C-83A1-F6EECF244321}">
+                <p14:modId xmlns:p14="http://schemas.microsoft.com/office/powerpoint/2010/main" val="2692891970"/>
+              </p:ext>
+            </p:extLst>
+          </p:nvPr>
+        </p:nvGraphicFramePr>
+        <p:xfrm>
+          <a:off x="651248" y="986071"/>
+          <a:ext cx="10889503" cy="809963"/>
+        </p:xfrm>
+        <a:graphic>
+          <a:graphicData uri="http://schemas.openxmlformats.org/presentationml/2006/ole">
+            <mc:AlternateContent xmlns:mc="http://schemas.openxmlformats.org/markup-compatibility/2006">
+              <mc:Choice xmlns:v="urn:schemas-microsoft-com:vml" Requires="v">
+                <p:oleObj spid="_x0000_s3479" name="Equation" r:id="rId9" imgW="3073320" imgH="228600" progId="Equation.DSMT4">
+                  <p:embed/>
+                </p:oleObj>
+              </mc:Choice>
+              <mc:Fallback>
+                <p:oleObj name="Equation" r:id="rId9" imgW="3073320" imgH="228600" progId="Equation.DSMT4">
+                  <p:embed/>
+                  <p:pic>
+                    <p:nvPicPr>
+                      <p:cNvPr id="5" name="对象 4"/>
+                      <p:cNvPicPr/>
+                      <p:nvPr/>
+                    </p:nvPicPr>
+                    <p:blipFill>
+                      <a:blip r:embed="rId10"/>
+                      <a:stretch>
+                        <a:fillRect/>
+                      </a:stretch>
+                    </p:blipFill>
+                    <p:spPr>
+                      <a:xfrm>
+                        <a:off x="651248" y="986071"/>
+                        <a:ext cx="10889503" cy="809963"/>
+                      </a:xfrm>
+                      <a:prstGeom prst="rect">
+                        <a:avLst/>
+                      </a:prstGeom>
+                    </p:spPr>
+                  </p:pic>
+                </p:oleObj>
+              </mc:Fallback>
+            </mc:AlternateContent>
+          </a:graphicData>
+        </a:graphic>
+      </p:graphicFrame>
     </p:spTree>
     <p:extLst>
       <p:ext uri="{BB962C8B-B14F-4D97-AF65-F5344CB8AC3E}">
@@ -6036,6 +5991,51 @@
                       </p:childTnLst>
                     </p:cTn>
                   </p:par>
+                  <p:par>
+                    <p:cTn id="15" fill="hold">
+                      <p:stCondLst>
+                        <p:cond delay="indefinite"/>
+                      </p:stCondLst>
+                      <p:childTnLst>
+                        <p:par>
+                          <p:cTn id="16" fill="hold">
+                            <p:stCondLst>
+                              <p:cond delay="0"/>
+                            </p:stCondLst>
+                            <p:childTnLst>
+                              <p:par>
+                                <p:cTn id="17" presetID="1" presetClass="entr" presetSubtype="0" fill="hold" nodeType="clickEffect">
+                                  <p:stCondLst>
+                                    <p:cond delay="0"/>
+                                  </p:stCondLst>
+                                  <p:childTnLst>
+                                    <p:set>
+                                      <p:cBhvr>
+                                        <p:cTn id="18" dur="1" fill="hold">
+                                          <p:stCondLst>
+                                            <p:cond delay="0"/>
+                                          </p:stCondLst>
+                                        </p:cTn>
+                                        <p:tgtEl>
+                                          <p:spTgt spid="6"/>
+                                        </p:tgtEl>
+                                        <p:attrNameLst>
+                                          <p:attrName>style.visibility</p:attrName>
+                                        </p:attrNameLst>
+                                      </p:cBhvr>
+                                      <p:to>
+                                        <p:strVal val="visible"/>
+                                      </p:to>
+                                    </p:set>
+                                  </p:childTnLst>
+                                </p:cTn>
+                              </p:par>
+                            </p:childTnLst>
+                          </p:cTn>
+                        </p:par>
+                      </p:childTnLst>
+                    </p:cTn>
+                  </p:par>
                 </p:childTnLst>
               </p:cTn>
               <p:prevCondLst>
@@ -6100,7 +6100,7 @@
           <a:graphicData uri="http://schemas.openxmlformats.org/presentationml/2006/ole">
             <mc:AlternateContent xmlns:mc="http://schemas.openxmlformats.org/markup-compatibility/2006">
               <mc:Choice xmlns:v="urn:schemas-microsoft-com:vml" Requires="v">
-                <p:oleObj spid="_x0000_s4468" name="Equation" r:id="rId3" imgW="1346040" imgH="457200" progId="Equation.DSMT4">
+                <p:oleObj spid="_x0000_s4477" name="Equation" r:id="rId3" imgW="1346040" imgH="457200" progId="Equation.DSMT4">
                   <p:embed/>
                 </p:oleObj>
               </mc:Choice>
@@ -6157,7 +6157,7 @@
           <a:graphicData uri="http://schemas.openxmlformats.org/presentationml/2006/ole">
             <mc:AlternateContent xmlns:mc="http://schemas.openxmlformats.org/markup-compatibility/2006">
               <mc:Choice xmlns:v="urn:schemas-microsoft-com:vml" Requires="v">
-                <p:oleObj spid="_x0000_s4469" name="Equation" r:id="rId5" imgW="2171520" imgH="507960" progId="Equation.DSMT4">
+                <p:oleObj spid="_x0000_s4478" name="Equation" r:id="rId5" imgW="2171520" imgH="507960" progId="Equation.DSMT4">
                   <p:embed/>
                 </p:oleObj>
               </mc:Choice>
@@ -6214,7 +6214,7 @@
           <a:graphicData uri="http://schemas.openxmlformats.org/presentationml/2006/ole">
             <mc:AlternateContent xmlns:mc="http://schemas.openxmlformats.org/markup-compatibility/2006">
               <mc:Choice xmlns:v="urn:schemas-microsoft-com:vml" Requires="v">
-                <p:oleObj spid="_x0000_s4470" name="Equation" r:id="rId7" imgW="1346040" imgH="825480" progId="Equation.DSMT4">
+                <p:oleObj spid="_x0000_s4479" name="Equation" r:id="rId7" imgW="1346040" imgH="825480" progId="Equation.DSMT4">
                   <p:embed/>
                 </p:oleObj>
               </mc:Choice>
@@ -6502,7 +6502,7 @@
           <a:graphicData uri="http://schemas.openxmlformats.org/presentationml/2006/ole">
             <mc:AlternateContent xmlns:mc="http://schemas.openxmlformats.org/markup-compatibility/2006">
               <mc:Choice xmlns:v="urn:schemas-microsoft-com:vml" Requires="v">
-                <p:oleObj spid="_x0000_s5239" name="Equation" r:id="rId3" imgW="2743200" imgH="1574640" progId="Equation.DSMT4">
+                <p:oleObj spid="_x0000_s5242" name="Equation" r:id="rId3" imgW="2743200" imgH="1574640" progId="Equation.DSMT4">
                   <p:embed/>
                 </p:oleObj>
               </mc:Choice>
@@ -15393,6 +15393,110 @@
           <a:chExt cx="0" cy="0"/>
         </a:xfrm>
       </p:grpSpPr>
+      <p:grpSp>
+        <p:nvGrpSpPr>
+          <p:cNvPr id="4" name="组合 3"/>
+          <p:cNvGrpSpPr/>
+          <p:nvPr/>
+        </p:nvGrpSpPr>
+        <p:grpSpPr>
+          <a:xfrm>
+            <a:off x="667819" y="215757"/>
+            <a:ext cx="10582383" cy="6164494"/>
+            <a:chOff x="874712" y="689571"/>
+            <a:chExt cx="10515601" cy="6168429"/>
+          </a:xfrm>
+        </p:grpSpPr>
+        <p:pic>
+          <p:nvPicPr>
+            <p:cNvPr id="5" name="图片 4"/>
+            <p:cNvPicPr>
+              <a:picLocks noChangeAspect="1"/>
+            </p:cNvPicPr>
+            <p:nvPr/>
+          </p:nvPicPr>
+          <p:blipFill rotWithShape="1">
+            <a:blip r:embed="rId2" cstate="print">
+              <a:extLst>
+                <a:ext uri="{28A0092B-C50C-407E-A947-70E740481C1C}">
+                  <a14:useLocalDpi xmlns:a14="http://schemas.microsoft.com/office/drawing/2010/main" val="0"/>
+                </a:ext>
+              </a:extLst>
+            </a:blip>
+            <a:srcRect b="3366"/>
+            <a:stretch/>
+          </p:blipFill>
+          <p:spPr>
+            <a:xfrm>
+              <a:off x="874712" y="689571"/>
+              <a:ext cx="10515601" cy="6168429"/>
+            </a:xfrm>
+            <a:prstGeom prst="rect">
+              <a:avLst/>
+            </a:prstGeom>
+          </p:spPr>
+        </p:pic>
+        <p:sp>
+          <p:nvSpPr>
+            <p:cNvPr id="6" name="矩形 5"/>
+            <p:cNvSpPr/>
+            <p:nvPr/>
+          </p:nvSpPr>
+          <p:spPr>
+            <a:xfrm>
+              <a:off x="1928521" y="1050844"/>
+              <a:ext cx="1829229" cy="839927"/>
+            </a:xfrm>
+            <a:prstGeom prst="rect">
+              <a:avLst/>
+            </a:prstGeom>
+          </p:spPr>
+          <p:txBody>
+            <a:bodyPr wrap="none">
+              <a:spAutoFit/>
+            </a:bodyPr>
+            <a:lstStyle/>
+            <a:p>
+              <a:r>
+                <a:rPr lang="en-US" altLang="zh-CN" dirty="0">
+                  <a:latin typeface="Arial" panose="020B0604020202020204" pitchFamily="34" charset="0"/>
+                  <a:cs typeface="Arial" panose="020B0604020202020204" pitchFamily="34" charset="0"/>
+                </a:rPr>
+                <a:t>r = </a:t>
+              </a:r>
+              <a:r>
+                <a:rPr lang="en-US" altLang="zh-CN" dirty="0" smtClean="0">
+                  <a:latin typeface="Arial" panose="020B0604020202020204" pitchFamily="34" charset="0"/>
+                  <a:cs typeface="Arial" panose="020B0604020202020204" pitchFamily="34" charset="0"/>
+                </a:rPr>
+                <a:t>0.81</a:t>
+              </a:r>
+            </a:p>
+            <a:p>
+              <a:r>
+                <a:rPr lang="en-US" altLang="zh-CN" dirty="0" smtClean="0">
+                  <a:latin typeface="Arial" panose="020B0604020202020204" pitchFamily="34" charset="0"/>
+                  <a:cs typeface="Arial" panose="020B0604020202020204" pitchFamily="34" charset="0"/>
+                </a:rPr>
+                <a:t>Slope=0.53</a:t>
+              </a:r>
+            </a:p>
+            <a:p>
+              <a:r>
+                <a:rPr lang="en-US" altLang="zh-CN" dirty="0" smtClean="0">
+                  <a:latin typeface="Arial" panose="020B0604020202020204" pitchFamily="34" charset="0"/>
+                  <a:cs typeface="Arial" panose="020B0604020202020204" pitchFamily="34" charset="0"/>
+                </a:rPr>
+                <a:t>Data of  the USA</a:t>
+              </a:r>
+              <a:endParaRPr lang="zh-CN" altLang="en-US" dirty="0">
+                <a:latin typeface="Arial" panose="020B0604020202020204" pitchFamily="34" charset="0"/>
+                <a:cs typeface="Arial" panose="020B0604020202020204" pitchFamily="34" charset="0"/>
+              </a:endParaRPr>
+            </a:p>
+          </p:txBody>
+        </p:sp>
+      </p:grpSp>
       <p:sp>
         <p:nvSpPr>
           <p:cNvPr id="2" name="矩形 1"/>
@@ -15401,235 +15505,8 @@
         </p:nvSpPr>
         <p:spPr>
           <a:xfrm>
-            <a:off x="1966810" y="6360403"/>
-            <a:ext cx="3824438" cy="369332"/>
-          </a:xfrm>
-          <a:prstGeom prst="rect">
-            <a:avLst/>
-          </a:prstGeom>
-        </p:spPr>
-        <p:txBody>
-          <a:bodyPr wrap="square">
-            <a:spAutoFit/>
-          </a:bodyPr>
-          <a:lstStyle/>
-          <a:p>
-            <a:r>
-              <a:rPr lang="en-US" altLang="zh-CN" dirty="0">
-                <a:latin typeface="Arial" panose="020B0604020202020204" pitchFamily="34" charset="0"/>
-                <a:cs typeface="Arial" panose="020B0604020202020204" pitchFamily="34" charset="0"/>
-              </a:rPr>
-              <a:t>Nordling CO, Br J Cancer, 1953</a:t>
-            </a:r>
-            <a:endParaRPr lang="zh-CN" altLang="en-US" dirty="0">
-              <a:latin typeface="Arial" panose="020B0604020202020204" pitchFamily="34" charset="0"/>
-              <a:cs typeface="Arial" panose="020B0604020202020204" pitchFamily="34" charset="0"/>
-            </a:endParaRPr>
-          </a:p>
-        </p:txBody>
-      </p:sp>
-      <p:grpSp>
-        <p:nvGrpSpPr>
-          <p:cNvPr id="3" name="组合 2"/>
-          <p:cNvGrpSpPr/>
-          <p:nvPr/>
-        </p:nvGrpSpPr>
-        <p:grpSpPr>
-          <a:xfrm>
-            <a:off x="527133" y="1295355"/>
-            <a:ext cx="5575711" cy="4529057"/>
-            <a:chOff x="-479237" y="2157700"/>
-            <a:chExt cx="10302440" cy="6451766"/>
-          </a:xfrm>
-        </p:grpSpPr>
-        <p:pic>
-          <p:nvPicPr>
-            <p:cNvPr id="4" name="图片 3"/>
-            <p:cNvPicPr>
-              <a:picLocks noChangeAspect="1"/>
-            </p:cNvPicPr>
-            <p:nvPr/>
-          </p:nvPicPr>
-          <p:blipFill>
-            <a:blip r:embed="rId2"/>
-            <a:stretch>
-              <a:fillRect/>
-            </a:stretch>
-          </p:blipFill>
-          <p:spPr>
-            <a:xfrm>
-              <a:off x="930661" y="2157700"/>
-              <a:ext cx="8460607" cy="5577107"/>
-            </a:xfrm>
-            <a:prstGeom prst="rect">
-              <a:avLst/>
-            </a:prstGeom>
-          </p:spPr>
-        </p:pic>
-        <p:sp>
-          <p:nvSpPr>
-            <p:cNvPr id="5" name="矩形 4"/>
-            <p:cNvSpPr/>
-            <p:nvPr/>
-          </p:nvSpPr>
-          <p:spPr>
-            <a:xfrm rot="10800000">
-              <a:off x="-479237" y="2933726"/>
-              <a:ext cx="492444" cy="3205214"/>
-            </a:xfrm>
-            <a:prstGeom prst="rect">
-              <a:avLst/>
-            </a:prstGeom>
-          </p:spPr>
-          <p:txBody>
-            <a:bodyPr vert="eaVert" wrap="square">
-              <a:spAutoFit/>
-            </a:bodyPr>
-            <a:lstStyle/>
-            <a:p>
-              <a:r>
-                <a:rPr lang="en-US" altLang="zh-CN" sz="2000" dirty="0">
-                  <a:latin typeface="Arial" panose="020B0604020202020204" pitchFamily="34" charset="0"/>
-                  <a:cs typeface="Arial" panose="020B0604020202020204" pitchFamily="34" charset="0"/>
-                </a:rPr>
-                <a:t>Deaths per 100,000 males</a:t>
-              </a:r>
-              <a:endParaRPr lang="zh-CN" altLang="en-US" sz="2000" dirty="0">
-                <a:latin typeface="Arial" panose="020B0604020202020204" pitchFamily="34" charset="0"/>
-                <a:cs typeface="Arial" panose="020B0604020202020204" pitchFamily="34" charset="0"/>
-              </a:endParaRPr>
-            </a:p>
-          </p:txBody>
-        </p:sp>
-        <p:sp>
-          <p:nvSpPr>
-            <p:cNvPr id="6" name="文本框 5"/>
-            <p:cNvSpPr txBox="1"/>
-            <p:nvPr/>
-          </p:nvSpPr>
-          <p:spPr>
-            <a:xfrm>
-              <a:off x="8305325" y="7535297"/>
-              <a:ext cx="1517878" cy="569968"/>
-            </a:xfrm>
-            <a:prstGeom prst="rect">
-              <a:avLst/>
-            </a:prstGeom>
-            <a:noFill/>
-          </p:spPr>
-          <p:txBody>
-            <a:bodyPr wrap="square" rtlCol="0">
-              <a:spAutoFit/>
-            </a:bodyPr>
-            <a:lstStyle/>
-            <a:p>
-              <a:r>
-                <a:rPr lang="en-US" altLang="zh-CN" sz="2000" dirty="0" smtClean="0">
-                  <a:latin typeface="Arial" panose="020B0604020202020204" pitchFamily="34" charset="0"/>
-                  <a:cs typeface="Arial" panose="020B0604020202020204" pitchFamily="34" charset="0"/>
-                </a:rPr>
-                <a:t>age</a:t>
-              </a:r>
-              <a:endParaRPr lang="zh-CN" altLang="en-US" sz="2000" dirty="0">
-                <a:latin typeface="Arial" panose="020B0604020202020204" pitchFamily="34" charset="0"/>
-                <a:cs typeface="Arial" panose="020B0604020202020204" pitchFamily="34" charset="0"/>
-              </a:endParaRPr>
-            </a:p>
-          </p:txBody>
-        </p:sp>
-        <p:sp>
-          <p:nvSpPr>
-            <p:cNvPr id="7" name="矩形 6"/>
-            <p:cNvSpPr/>
-            <p:nvPr/>
-          </p:nvSpPr>
-          <p:spPr>
-            <a:xfrm rot="16200000">
-              <a:off x="1786313" y="5777786"/>
-              <a:ext cx="789185" cy="4874175"/>
-            </a:xfrm>
-            <a:prstGeom prst="rect">
-              <a:avLst/>
-            </a:prstGeom>
-          </p:spPr>
-          <p:txBody>
-            <a:bodyPr vert="eaVert" wrap="square">
-              <a:spAutoFit/>
-            </a:bodyPr>
-            <a:lstStyle/>
-            <a:p>
-              <a:r>
-                <a:rPr lang="en-US" altLang="zh-CN" sz="2400" dirty="0" smtClean="0">
-                  <a:latin typeface="Arial" panose="020B0604020202020204" pitchFamily="34" charset="0"/>
-                  <a:cs typeface="Arial" panose="020B0604020202020204" pitchFamily="34" charset="0"/>
-                </a:rPr>
-                <a:t>log/log scale</a:t>
-              </a:r>
-              <a:endParaRPr lang="zh-CN" altLang="en-US" sz="2400" dirty="0">
-                <a:latin typeface="Arial" panose="020B0604020202020204" pitchFamily="34" charset="0"/>
-                <a:cs typeface="Arial" panose="020B0604020202020204" pitchFamily="34" charset="0"/>
-              </a:endParaRPr>
-            </a:p>
-          </p:txBody>
-        </p:sp>
-      </p:grpSp>
-      <p:pic>
-        <p:nvPicPr>
-          <p:cNvPr id="8" name="图片 7"/>
-          <p:cNvPicPr>
-            <a:picLocks noChangeAspect="1"/>
-          </p:cNvPicPr>
-          <p:nvPr/>
-        </p:nvPicPr>
-        <p:blipFill>
-          <a:blip r:embed="rId3"/>
-          <a:stretch>
-            <a:fillRect/>
-          </a:stretch>
-        </p:blipFill>
-        <p:spPr>
-          <a:xfrm>
-            <a:off x="6840638" y="512882"/>
-            <a:ext cx="3914274" cy="2945394"/>
-          </a:xfrm>
-          <a:prstGeom prst="rect">
-            <a:avLst/>
-          </a:prstGeom>
-        </p:spPr>
-      </p:pic>
-      <p:pic>
-        <p:nvPicPr>
-          <p:cNvPr id="9" name="图片 8"/>
-          <p:cNvPicPr>
-            <a:picLocks noChangeAspect="1"/>
-          </p:cNvPicPr>
-          <p:nvPr/>
-        </p:nvPicPr>
-        <p:blipFill rotWithShape="1">
-          <a:blip r:embed="rId4"/>
-          <a:srcRect l="2488" r="2156"/>
-          <a:stretch/>
-        </p:blipFill>
-        <p:spPr>
-          <a:xfrm>
-            <a:off x="6976354" y="3516986"/>
-            <a:ext cx="3730752" cy="2642962"/>
-          </a:xfrm>
-          <a:prstGeom prst="rect">
-            <a:avLst/>
-          </a:prstGeom>
-        </p:spPr>
-      </p:pic>
-      <p:sp>
-        <p:nvSpPr>
-          <p:cNvPr id="10" name="矩形 9"/>
-          <p:cNvSpPr/>
-          <p:nvPr/>
-        </p:nvSpPr>
-        <p:spPr>
-          <a:xfrm>
-            <a:off x="6976354" y="6360403"/>
-            <a:ext cx="4425379" cy="369332"/>
+            <a:off x="3904537" y="6488668"/>
+            <a:ext cx="4108945" cy="369332"/>
           </a:xfrm>
           <a:prstGeom prst="rect">
             <a:avLst/>
@@ -15641,57 +15518,36 @@
           </a:bodyPr>
           <a:lstStyle/>
           <a:p>
+            <a:pPr algn="ctr"/>
+            <a:r>
+              <a:rPr lang="fi-FI" altLang="zh-CN" dirty="0" smtClean="0">
+                <a:latin typeface="Arial" panose="020B0604020202020204" pitchFamily="34" charset="0"/>
+                <a:cs typeface="Arial" panose="020B0604020202020204" pitchFamily="34" charset="0"/>
+              </a:rPr>
+              <a:t>Tomasetti &amp; Vogelstein, </a:t>
+            </a:r>
             <a:r>
               <a:rPr lang="en-US" altLang="zh-CN" dirty="0">
                 <a:latin typeface="Arial" panose="020B0604020202020204" pitchFamily="34" charset="0"/>
                 <a:cs typeface="Arial" panose="020B0604020202020204" pitchFamily="34" charset="0"/>
               </a:rPr>
-              <a:t>P Armitage and R Doll, Br J Cancer, </a:t>
+              <a:t>S</a:t>
             </a:r>
             <a:r>
               <a:rPr lang="en-US" altLang="zh-CN" dirty="0" smtClean="0">
                 <a:latin typeface="Arial" panose="020B0604020202020204" pitchFamily="34" charset="0"/>
                 <a:cs typeface="Arial" panose="020B0604020202020204" pitchFamily="34" charset="0"/>
               </a:rPr>
-              <a:t>1954</a:t>
-            </a:r>
-            <a:endParaRPr lang="zh-CN" altLang="en-US" dirty="0">
-              <a:latin typeface="Arial" panose="020B0604020202020204" pitchFamily="34" charset="0"/>
-              <a:cs typeface="Arial" panose="020B0604020202020204" pitchFamily="34" charset="0"/>
-            </a:endParaRPr>
-          </a:p>
-        </p:txBody>
-      </p:sp>
-      <p:sp>
-        <p:nvSpPr>
-          <p:cNvPr id="11" name="文本框 10"/>
-          <p:cNvSpPr txBox="1"/>
-          <p:nvPr/>
-        </p:nvSpPr>
-        <p:spPr>
-          <a:xfrm>
-            <a:off x="13380" y="11017"/>
-            <a:ext cx="8704550" cy="584775"/>
-          </a:xfrm>
-          <a:prstGeom prst="rect">
-            <a:avLst/>
-          </a:prstGeom>
-          <a:noFill/>
-        </p:spPr>
-        <p:txBody>
-          <a:bodyPr wrap="square" rtlCol="0">
-            <a:spAutoFit/>
-          </a:bodyPr>
-          <a:lstStyle/>
-          <a:p>
-            <a:r>
-              <a:rPr lang="en-US" altLang="zh-CN" sz="3200" dirty="0" smtClean="0">
+              <a:t>cience</a:t>
+            </a:r>
+            <a:r>
+              <a:rPr lang="fi-FI" altLang="zh-CN" dirty="0" smtClean="0">
                 <a:latin typeface="Arial" panose="020B0604020202020204" pitchFamily="34" charset="0"/>
                 <a:cs typeface="Arial" panose="020B0604020202020204" pitchFamily="34" charset="0"/>
               </a:rPr>
-              <a:t>Initiation of multi-stage model  </a:t>
-            </a:r>
-            <a:endParaRPr lang="zh-CN" altLang="en-US" sz="3200" dirty="0">
+              <a:t>, 2015</a:t>
+            </a:r>
+            <a:endParaRPr lang="fi-FI" altLang="zh-CN" dirty="0">
               <a:latin typeface="Arial" panose="020B0604020202020204" pitchFamily="34" charset="0"/>
               <a:cs typeface="Arial" panose="020B0604020202020204" pitchFamily="34" charset="0"/>
             </a:endParaRPr>
@@ -15701,7 +15557,7 @@
     </p:spTree>
     <p:extLst>
       <p:ext uri="{BB962C8B-B14F-4D97-AF65-F5344CB8AC3E}">
-        <p14:creationId xmlns:p14="http://schemas.microsoft.com/office/powerpoint/2010/main" val="2508177541"/>
+        <p14:creationId xmlns:p14="http://schemas.microsoft.com/office/powerpoint/2010/main" val="2860069699"/>
       </p:ext>
     </p:extLst>
   </p:cSld>
@@ -16368,7 +16224,7 @@
           <a:graphicData uri="http://schemas.openxmlformats.org/presentationml/2006/ole">
             <mc:AlternateContent xmlns:mc="http://schemas.openxmlformats.org/markup-compatibility/2006">
               <mc:Choice xmlns:v="urn:schemas-microsoft-com:vml" Requires="v">
-                <p:oleObj spid="_x0000_s6208" name="Equation" r:id="rId7" imgW="164880" imgH="126720" progId="Equation.DSMT4">
+                <p:oleObj spid="_x0000_s6211" name="Equation" r:id="rId7" imgW="164880" imgH="126720" progId="Equation.DSMT4">
                   <p:embed/>
                 </p:oleObj>
               </mc:Choice>
@@ -19726,26 +19582,8 @@
                 <a:latin typeface="Arial" panose="020B0604020202020204" pitchFamily="34" charset="0"/>
                 <a:cs typeface="Arial" panose="020B0604020202020204" pitchFamily="34" charset="0"/>
               </a:rPr>
-              <a:t>Why these genes are sex bias selected in cancer initiation</a:t>
-            </a:r>
-            <a:r>
-              <a:rPr lang="en-US" altLang="zh-CN" sz="2000" dirty="0" smtClean="0">
-                <a:latin typeface="Arial" panose="020B0604020202020204" pitchFamily="34" charset="0"/>
-                <a:cs typeface="Arial" panose="020B0604020202020204" pitchFamily="34" charset="0"/>
-              </a:rPr>
-              <a:t>? what are their function?</a:t>
-            </a:r>
-            <a:r>
-              <a:rPr lang="en-US" altLang="zh-CN" sz="2000" dirty="0" smtClean="0">
-                <a:latin typeface="Arial" panose="020B0604020202020204" pitchFamily="34" charset="0"/>
-                <a:cs typeface="Arial" panose="020B0604020202020204" pitchFamily="34" charset="0"/>
-              </a:rPr>
-              <a:t> </a:t>
-            </a:r>
-            <a:endParaRPr lang="en-US" altLang="zh-CN" sz="2000" dirty="0" smtClean="0">
-              <a:latin typeface="Arial" panose="020B0604020202020204" pitchFamily="34" charset="0"/>
-              <a:cs typeface="Arial" panose="020B0604020202020204" pitchFamily="34" charset="0"/>
-            </a:endParaRPr>
+              <a:t>Why these genes are sex bias selected in cancer initiation? what are their function? </a:t>
+            </a:r>
           </a:p>
         </p:txBody>
       </p:sp>
@@ -19929,10 +19767,6 @@
               </a:rPr>
               <a:t>Epidemiology + Mathematical model + Bioinformatics</a:t>
             </a:r>
-            <a:endParaRPr lang="en-US" altLang="zh-CN" sz="2000" dirty="0" smtClean="0">
-              <a:latin typeface="Arial" panose="020B0604020202020204" pitchFamily="34" charset="0"/>
-              <a:cs typeface="Arial" panose="020B0604020202020204" pitchFamily="34" charset="0"/>
-            </a:endParaRPr>
           </a:p>
           <a:p>
             <a:pPr marL="457200" indent="-457200">
@@ -20049,19 +19883,8 @@
                 <a:latin typeface="Arial" panose="020B0604020202020204" pitchFamily="34" charset="0"/>
                 <a:cs typeface="Arial" panose="020B0604020202020204" pitchFamily="34" charset="0"/>
               </a:rPr>
-              <a:t>potential </a:t>
-            </a:r>
-            <a:r>
-              <a:rPr lang="en-US" altLang="zh-CN" sz="2000" dirty="0" smtClean="0">
-                <a:latin typeface="Arial" panose="020B0604020202020204" pitchFamily="34" charset="0"/>
-                <a:cs typeface="Arial" panose="020B0604020202020204" pitchFamily="34" charset="0"/>
-              </a:rPr>
-              <a:t>drug target</a:t>
-            </a:r>
-            <a:endParaRPr lang="en-US" altLang="zh-CN" sz="2000" dirty="0" smtClean="0">
-              <a:latin typeface="Arial" panose="020B0604020202020204" pitchFamily="34" charset="0"/>
-              <a:cs typeface="Arial" panose="020B0604020202020204" pitchFamily="34" charset="0"/>
-            </a:endParaRPr>
+              <a:t>potential drug target</a:t>
+            </a:r>
           </a:p>
         </p:txBody>
       </p:sp>
@@ -20258,14 +20081,7 @@
                 <a:latin typeface="Arial" panose="020B0604020202020204" pitchFamily="34" charset="0"/>
                 <a:cs typeface="Arial" panose="020B0604020202020204" pitchFamily="34" charset="0"/>
               </a:rPr>
-              <a:t>Chao </a:t>
-            </a:r>
-            <a:r>
-              <a:rPr lang="en-US" altLang="zh-CN" sz="2000" dirty="0" smtClean="0">
-                <a:latin typeface="Arial" panose="020B0604020202020204" pitchFamily="34" charset="0"/>
-                <a:cs typeface="Arial" panose="020B0604020202020204" pitchFamily="34" charset="0"/>
-              </a:rPr>
-              <a:t>Tang</a:t>
+              <a:t>Chao Tang</a:t>
             </a:r>
           </a:p>
           <a:p>
@@ -20375,14 +20191,7 @@
                 <a:latin typeface="Arial" panose="020B0604020202020204" pitchFamily="34" charset="0"/>
                 <a:cs typeface="Arial" panose="020B0604020202020204" pitchFamily="34" charset="0"/>
               </a:rPr>
-              <a:t> </a:t>
-            </a:r>
-            <a:r>
-              <a:rPr lang="en-US" altLang="zh-CN" sz="2000" dirty="0">
-                <a:latin typeface="Arial" panose="020B0604020202020204" pitchFamily="34" charset="0"/>
-                <a:cs typeface="Arial" panose="020B0604020202020204" pitchFamily="34" charset="0"/>
-              </a:rPr>
-              <a:t>Jiang</a:t>
+              <a:t> Jiang</a:t>
             </a:r>
           </a:p>
           <a:p>
@@ -20609,6 +20418,348 @@
           <a:chExt cx="0" cy="0"/>
         </a:xfrm>
       </p:grpSpPr>
+      <p:sp>
+        <p:nvSpPr>
+          <p:cNvPr id="2" name="矩形 1"/>
+          <p:cNvSpPr/>
+          <p:nvPr/>
+        </p:nvSpPr>
+        <p:spPr>
+          <a:xfrm>
+            <a:off x="1966810" y="6360403"/>
+            <a:ext cx="3824438" cy="369332"/>
+          </a:xfrm>
+          <a:prstGeom prst="rect">
+            <a:avLst/>
+          </a:prstGeom>
+        </p:spPr>
+        <p:txBody>
+          <a:bodyPr wrap="square">
+            <a:spAutoFit/>
+          </a:bodyPr>
+          <a:lstStyle/>
+          <a:p>
+            <a:r>
+              <a:rPr lang="en-US" altLang="zh-CN" dirty="0">
+                <a:latin typeface="Arial" panose="020B0604020202020204" pitchFamily="34" charset="0"/>
+                <a:cs typeface="Arial" panose="020B0604020202020204" pitchFamily="34" charset="0"/>
+              </a:rPr>
+              <a:t>Nordling CO, Br J Cancer, 1953</a:t>
+            </a:r>
+            <a:endParaRPr lang="zh-CN" altLang="en-US" dirty="0">
+              <a:latin typeface="Arial" panose="020B0604020202020204" pitchFamily="34" charset="0"/>
+              <a:cs typeface="Arial" panose="020B0604020202020204" pitchFamily="34" charset="0"/>
+            </a:endParaRPr>
+          </a:p>
+        </p:txBody>
+      </p:sp>
+      <p:grpSp>
+        <p:nvGrpSpPr>
+          <p:cNvPr id="3" name="组合 2"/>
+          <p:cNvGrpSpPr/>
+          <p:nvPr/>
+        </p:nvGrpSpPr>
+        <p:grpSpPr>
+          <a:xfrm>
+            <a:off x="527133" y="1295355"/>
+            <a:ext cx="5575711" cy="4529057"/>
+            <a:chOff x="-479237" y="2157700"/>
+            <a:chExt cx="10302440" cy="6451766"/>
+          </a:xfrm>
+        </p:grpSpPr>
+        <p:pic>
+          <p:nvPicPr>
+            <p:cNvPr id="4" name="图片 3"/>
+            <p:cNvPicPr>
+              <a:picLocks noChangeAspect="1"/>
+            </p:cNvPicPr>
+            <p:nvPr/>
+          </p:nvPicPr>
+          <p:blipFill>
+            <a:blip r:embed="rId2"/>
+            <a:stretch>
+              <a:fillRect/>
+            </a:stretch>
+          </p:blipFill>
+          <p:spPr>
+            <a:xfrm>
+              <a:off x="930661" y="2157700"/>
+              <a:ext cx="8460607" cy="5577107"/>
+            </a:xfrm>
+            <a:prstGeom prst="rect">
+              <a:avLst/>
+            </a:prstGeom>
+          </p:spPr>
+        </p:pic>
+        <p:sp>
+          <p:nvSpPr>
+            <p:cNvPr id="5" name="矩形 4"/>
+            <p:cNvSpPr/>
+            <p:nvPr/>
+          </p:nvSpPr>
+          <p:spPr>
+            <a:xfrm rot="10800000">
+              <a:off x="-479237" y="2933726"/>
+              <a:ext cx="492444" cy="3205214"/>
+            </a:xfrm>
+            <a:prstGeom prst="rect">
+              <a:avLst/>
+            </a:prstGeom>
+          </p:spPr>
+          <p:txBody>
+            <a:bodyPr vert="eaVert" wrap="square">
+              <a:spAutoFit/>
+            </a:bodyPr>
+            <a:lstStyle/>
+            <a:p>
+              <a:r>
+                <a:rPr lang="en-US" altLang="zh-CN" sz="2000" dirty="0">
+                  <a:latin typeface="Arial" panose="020B0604020202020204" pitchFamily="34" charset="0"/>
+                  <a:cs typeface="Arial" panose="020B0604020202020204" pitchFamily="34" charset="0"/>
+                </a:rPr>
+                <a:t>Deaths per 100,000 males</a:t>
+              </a:r>
+              <a:endParaRPr lang="zh-CN" altLang="en-US" sz="2000" dirty="0">
+                <a:latin typeface="Arial" panose="020B0604020202020204" pitchFamily="34" charset="0"/>
+                <a:cs typeface="Arial" panose="020B0604020202020204" pitchFamily="34" charset="0"/>
+              </a:endParaRPr>
+            </a:p>
+          </p:txBody>
+        </p:sp>
+        <p:sp>
+          <p:nvSpPr>
+            <p:cNvPr id="6" name="文本框 5"/>
+            <p:cNvSpPr txBox="1"/>
+            <p:nvPr/>
+          </p:nvSpPr>
+          <p:spPr>
+            <a:xfrm>
+              <a:off x="8305325" y="7535297"/>
+              <a:ext cx="1517878" cy="569968"/>
+            </a:xfrm>
+            <a:prstGeom prst="rect">
+              <a:avLst/>
+            </a:prstGeom>
+            <a:noFill/>
+          </p:spPr>
+          <p:txBody>
+            <a:bodyPr wrap="square" rtlCol="0">
+              <a:spAutoFit/>
+            </a:bodyPr>
+            <a:lstStyle/>
+            <a:p>
+              <a:r>
+                <a:rPr lang="en-US" altLang="zh-CN" sz="2000" dirty="0" smtClean="0">
+                  <a:latin typeface="Arial" panose="020B0604020202020204" pitchFamily="34" charset="0"/>
+                  <a:cs typeface="Arial" panose="020B0604020202020204" pitchFamily="34" charset="0"/>
+                </a:rPr>
+                <a:t>age</a:t>
+              </a:r>
+              <a:endParaRPr lang="zh-CN" altLang="en-US" sz="2000" dirty="0">
+                <a:latin typeface="Arial" panose="020B0604020202020204" pitchFamily="34" charset="0"/>
+                <a:cs typeface="Arial" panose="020B0604020202020204" pitchFamily="34" charset="0"/>
+              </a:endParaRPr>
+            </a:p>
+          </p:txBody>
+        </p:sp>
+        <p:sp>
+          <p:nvSpPr>
+            <p:cNvPr id="7" name="矩形 6"/>
+            <p:cNvSpPr/>
+            <p:nvPr/>
+          </p:nvSpPr>
+          <p:spPr>
+            <a:xfrm rot="16200000">
+              <a:off x="1786313" y="5777786"/>
+              <a:ext cx="789185" cy="4874175"/>
+            </a:xfrm>
+            <a:prstGeom prst="rect">
+              <a:avLst/>
+            </a:prstGeom>
+          </p:spPr>
+          <p:txBody>
+            <a:bodyPr vert="eaVert" wrap="square">
+              <a:spAutoFit/>
+            </a:bodyPr>
+            <a:lstStyle/>
+            <a:p>
+              <a:r>
+                <a:rPr lang="en-US" altLang="zh-CN" sz="2400" dirty="0" smtClean="0">
+                  <a:latin typeface="Arial" panose="020B0604020202020204" pitchFamily="34" charset="0"/>
+                  <a:cs typeface="Arial" panose="020B0604020202020204" pitchFamily="34" charset="0"/>
+                </a:rPr>
+                <a:t>log/log scale</a:t>
+              </a:r>
+              <a:endParaRPr lang="zh-CN" altLang="en-US" sz="2400" dirty="0">
+                <a:latin typeface="Arial" panose="020B0604020202020204" pitchFamily="34" charset="0"/>
+                <a:cs typeface="Arial" panose="020B0604020202020204" pitchFamily="34" charset="0"/>
+              </a:endParaRPr>
+            </a:p>
+          </p:txBody>
+        </p:sp>
+      </p:grpSp>
+      <p:pic>
+        <p:nvPicPr>
+          <p:cNvPr id="8" name="图片 7"/>
+          <p:cNvPicPr>
+            <a:picLocks noChangeAspect="1"/>
+          </p:cNvPicPr>
+          <p:nvPr/>
+        </p:nvPicPr>
+        <p:blipFill>
+          <a:blip r:embed="rId3"/>
+          <a:stretch>
+            <a:fillRect/>
+          </a:stretch>
+        </p:blipFill>
+        <p:spPr>
+          <a:xfrm>
+            <a:off x="6840638" y="512882"/>
+            <a:ext cx="3914274" cy="2945394"/>
+          </a:xfrm>
+          <a:prstGeom prst="rect">
+            <a:avLst/>
+          </a:prstGeom>
+        </p:spPr>
+      </p:pic>
+      <p:pic>
+        <p:nvPicPr>
+          <p:cNvPr id="9" name="图片 8"/>
+          <p:cNvPicPr>
+            <a:picLocks noChangeAspect="1"/>
+          </p:cNvPicPr>
+          <p:nvPr/>
+        </p:nvPicPr>
+        <p:blipFill rotWithShape="1">
+          <a:blip r:embed="rId4"/>
+          <a:srcRect l="2488" r="2156"/>
+          <a:stretch/>
+        </p:blipFill>
+        <p:spPr>
+          <a:xfrm>
+            <a:off x="6976354" y="3516986"/>
+            <a:ext cx="3730752" cy="2642962"/>
+          </a:xfrm>
+          <a:prstGeom prst="rect">
+            <a:avLst/>
+          </a:prstGeom>
+        </p:spPr>
+      </p:pic>
+      <p:sp>
+        <p:nvSpPr>
+          <p:cNvPr id="10" name="矩形 9"/>
+          <p:cNvSpPr/>
+          <p:nvPr/>
+        </p:nvSpPr>
+        <p:spPr>
+          <a:xfrm>
+            <a:off x="6976354" y="6360403"/>
+            <a:ext cx="4425379" cy="369332"/>
+          </a:xfrm>
+          <a:prstGeom prst="rect">
+            <a:avLst/>
+          </a:prstGeom>
+        </p:spPr>
+        <p:txBody>
+          <a:bodyPr wrap="none">
+            <a:spAutoFit/>
+          </a:bodyPr>
+          <a:lstStyle/>
+          <a:p>
+            <a:r>
+              <a:rPr lang="en-US" altLang="zh-CN" dirty="0">
+                <a:latin typeface="Arial" panose="020B0604020202020204" pitchFamily="34" charset="0"/>
+                <a:cs typeface="Arial" panose="020B0604020202020204" pitchFamily="34" charset="0"/>
+              </a:rPr>
+              <a:t>P Armitage and R Doll, Br J Cancer, </a:t>
+            </a:r>
+            <a:r>
+              <a:rPr lang="en-US" altLang="zh-CN" dirty="0" smtClean="0">
+                <a:latin typeface="Arial" panose="020B0604020202020204" pitchFamily="34" charset="0"/>
+                <a:cs typeface="Arial" panose="020B0604020202020204" pitchFamily="34" charset="0"/>
+              </a:rPr>
+              <a:t>1954</a:t>
+            </a:r>
+            <a:endParaRPr lang="zh-CN" altLang="en-US" dirty="0">
+              <a:latin typeface="Arial" panose="020B0604020202020204" pitchFamily="34" charset="0"/>
+              <a:cs typeface="Arial" panose="020B0604020202020204" pitchFamily="34" charset="0"/>
+            </a:endParaRPr>
+          </a:p>
+        </p:txBody>
+      </p:sp>
+      <p:sp>
+        <p:nvSpPr>
+          <p:cNvPr id="11" name="文本框 10"/>
+          <p:cNvSpPr txBox="1"/>
+          <p:nvPr/>
+        </p:nvSpPr>
+        <p:spPr>
+          <a:xfrm>
+            <a:off x="13380" y="11017"/>
+            <a:ext cx="8704550" cy="584775"/>
+          </a:xfrm>
+          <a:prstGeom prst="rect">
+            <a:avLst/>
+          </a:prstGeom>
+          <a:noFill/>
+        </p:spPr>
+        <p:txBody>
+          <a:bodyPr wrap="square" rtlCol="0">
+            <a:spAutoFit/>
+          </a:bodyPr>
+          <a:lstStyle/>
+          <a:p>
+            <a:r>
+              <a:rPr lang="en-US" altLang="zh-CN" sz="3200" dirty="0" smtClean="0">
+                <a:latin typeface="Arial" panose="020B0604020202020204" pitchFamily="34" charset="0"/>
+                <a:cs typeface="Arial" panose="020B0604020202020204" pitchFamily="34" charset="0"/>
+              </a:rPr>
+              <a:t>Initiation of multi-stage model  </a:t>
+            </a:r>
+            <a:endParaRPr lang="zh-CN" altLang="en-US" sz="3200" dirty="0">
+              <a:latin typeface="Arial" panose="020B0604020202020204" pitchFamily="34" charset="0"/>
+              <a:cs typeface="Arial" panose="020B0604020202020204" pitchFamily="34" charset="0"/>
+            </a:endParaRPr>
+          </a:p>
+        </p:txBody>
+      </p:sp>
+    </p:spTree>
+    <p:extLst>
+      <p:ext uri="{BB962C8B-B14F-4D97-AF65-F5344CB8AC3E}">
+        <p14:creationId xmlns:p14="http://schemas.microsoft.com/office/powerpoint/2010/main" val="2508177541"/>
+      </p:ext>
+    </p:extLst>
+  </p:cSld>
+  <p:clrMapOvr>
+    <a:masterClrMapping/>
+  </p:clrMapOvr>
+  <p:timing>
+    <p:tnLst>
+      <p:par>
+        <p:cTn id="1" dur="indefinite" restart="never" nodeType="tmRoot"/>
+      </p:par>
+    </p:tnLst>
+  </p:timing>
+</p:sld>
+</file>
+
+<file path=ppt/slides/slide5.xml><?xml version="1.0" encoding="utf-8"?>
+<p:sld xmlns:a="http://schemas.openxmlformats.org/drawingml/2006/main" xmlns:r="http://schemas.openxmlformats.org/officeDocument/2006/relationships" xmlns:p="http://schemas.openxmlformats.org/presentationml/2006/main">
+  <p:cSld>
+    <p:spTree>
+      <p:nvGrpSpPr>
+        <p:cNvPr id="1" name=""/>
+        <p:cNvGrpSpPr/>
+        <p:nvPr/>
+      </p:nvGrpSpPr>
+      <p:grpSpPr>
+        <a:xfrm>
+          <a:off x="0" y="0"/>
+          <a:ext cx="0" cy="0"/>
+          <a:chOff x="0" y="0"/>
+          <a:chExt cx="0" cy="0"/>
+        </a:xfrm>
+      </p:grpSpPr>
       <p:graphicFrame>
         <p:nvGraphicFramePr>
           <p:cNvPr id="4" name="对象 3"/>
@@ -20627,7 +20778,7 @@
           <a:graphicData uri="http://schemas.openxmlformats.org/presentationml/2006/ole">
             <mc:AlternateContent xmlns:mc="http://schemas.openxmlformats.org/markup-compatibility/2006">
               <mc:Choice xmlns:v="urn:schemas-microsoft-com:vml" Requires="v">
-                <p:oleObj spid="_x0000_s2826" name="Equation" r:id="rId3" imgW="1625400" imgH="253800" progId="Equation.DSMT4">
+                <p:oleObj spid="_x0000_s2838" name="Equation" r:id="rId3" imgW="1625400" imgH="253800" progId="Equation.DSMT4">
                   <p:embed/>
                 </p:oleObj>
               </mc:Choice>
@@ -20680,7 +20831,7 @@
           <a:graphicData uri="http://schemas.openxmlformats.org/presentationml/2006/ole">
             <mc:AlternateContent xmlns:mc="http://schemas.openxmlformats.org/markup-compatibility/2006">
               <mc:Choice xmlns:v="urn:schemas-microsoft-com:vml" Requires="v">
-                <p:oleObj spid="_x0000_s2827" name="Equation" r:id="rId5" imgW="3136680" imgH="253800" progId="Equation.DSMT4">
+                <p:oleObj spid="_x0000_s2839" name="Equation" r:id="rId5" imgW="3136680" imgH="253800" progId="Equation.DSMT4">
                   <p:embed/>
                 </p:oleObj>
               </mc:Choice>
@@ -20733,7 +20884,7 @@
           <a:graphicData uri="http://schemas.openxmlformats.org/presentationml/2006/ole">
             <mc:AlternateContent xmlns:mc="http://schemas.openxmlformats.org/markup-compatibility/2006">
               <mc:Choice xmlns:v="urn:schemas-microsoft-com:vml" Requires="v">
-                <p:oleObj spid="_x0000_s2828" name="Equation" r:id="rId7" imgW="3022560" imgH="253800" progId="Equation.DSMT4">
+                <p:oleObj spid="_x0000_s2840" name="Equation" r:id="rId7" imgW="3022560" imgH="253800" progId="Equation.DSMT4">
                   <p:embed/>
                 </p:oleObj>
               </mc:Choice>
@@ -20786,7 +20937,7 @@
           <a:graphicData uri="http://schemas.openxmlformats.org/presentationml/2006/ole">
             <mc:AlternateContent xmlns:mc="http://schemas.openxmlformats.org/markup-compatibility/2006">
               <mc:Choice xmlns:v="urn:schemas-microsoft-com:vml" Requires="v">
-                <p:oleObj spid="_x0000_s2829" name="Equation" r:id="rId9" imgW="2793960" imgH="253800" progId="Equation.DSMT4">
+                <p:oleObj spid="_x0000_s2841" name="Equation" r:id="rId9" imgW="2793960" imgH="253800" progId="Equation.DSMT4">
                   <p:embed/>
                 </p:oleObj>
               </mc:Choice>
@@ -20898,7 +21049,7 @@
 </p:sld>
 </file>
 
-<file path=ppt/slides/slide5.xml><?xml version="1.0" encoding="utf-8"?>
+<file path=ppt/slides/slide6.xml><?xml version="1.0" encoding="utf-8"?>
 <p:sld xmlns:a="http://schemas.openxmlformats.org/drawingml/2006/main" xmlns:r="http://schemas.openxmlformats.org/officeDocument/2006/relationships" xmlns:p="http://schemas.openxmlformats.org/presentationml/2006/main">
   <p:cSld>
     <p:spTree>
@@ -20956,204 +21107,6 @@
     <p:extLst>
       <p:ext uri="{BB962C8B-B14F-4D97-AF65-F5344CB8AC3E}">
         <p14:creationId xmlns:p14="http://schemas.microsoft.com/office/powerpoint/2010/main" val="4265056901"/>
-      </p:ext>
-    </p:extLst>
-  </p:cSld>
-  <p:clrMapOvr>
-    <a:masterClrMapping/>
-  </p:clrMapOvr>
-  <p:timing>
-    <p:tnLst>
-      <p:par>
-        <p:cTn id="1" dur="indefinite" restart="never" nodeType="tmRoot"/>
-      </p:par>
-    </p:tnLst>
-  </p:timing>
-</p:sld>
-</file>
-
-<file path=ppt/slides/slide6.xml><?xml version="1.0" encoding="utf-8"?>
-<p:sld xmlns:a="http://schemas.openxmlformats.org/drawingml/2006/main" xmlns:r="http://schemas.openxmlformats.org/officeDocument/2006/relationships" xmlns:p="http://schemas.openxmlformats.org/presentationml/2006/main">
-  <p:cSld>
-    <p:spTree>
-      <p:nvGrpSpPr>
-        <p:cNvPr id="1" name=""/>
-        <p:cNvGrpSpPr/>
-        <p:nvPr/>
-      </p:nvGrpSpPr>
-      <p:grpSpPr>
-        <a:xfrm>
-          <a:off x="0" y="0"/>
-          <a:ext cx="0" cy="0"/>
-          <a:chOff x="0" y="0"/>
-          <a:chExt cx="0" cy="0"/>
-        </a:xfrm>
-      </p:grpSpPr>
-      <p:grpSp>
-        <p:nvGrpSpPr>
-          <p:cNvPr id="4" name="组合 3"/>
-          <p:cNvGrpSpPr/>
-          <p:nvPr/>
-        </p:nvGrpSpPr>
-        <p:grpSpPr>
-          <a:xfrm>
-            <a:off x="667819" y="215757"/>
-            <a:ext cx="10582383" cy="6164494"/>
-            <a:chOff x="874712" y="689571"/>
-            <a:chExt cx="10515601" cy="6168429"/>
-          </a:xfrm>
-        </p:grpSpPr>
-        <p:pic>
-          <p:nvPicPr>
-            <p:cNvPr id="5" name="图片 4"/>
-            <p:cNvPicPr>
-              <a:picLocks noChangeAspect="1"/>
-            </p:cNvPicPr>
-            <p:nvPr/>
-          </p:nvPicPr>
-          <p:blipFill rotWithShape="1">
-            <a:blip r:embed="rId2" cstate="print">
-              <a:extLst>
-                <a:ext uri="{28A0092B-C50C-407E-A947-70E740481C1C}">
-                  <a14:useLocalDpi xmlns:a14="http://schemas.microsoft.com/office/drawing/2010/main" val="0"/>
-                </a:ext>
-              </a:extLst>
-            </a:blip>
-            <a:srcRect b="3366"/>
-            <a:stretch/>
-          </p:blipFill>
-          <p:spPr>
-            <a:xfrm>
-              <a:off x="874712" y="689571"/>
-              <a:ext cx="10515601" cy="6168429"/>
-            </a:xfrm>
-            <a:prstGeom prst="rect">
-              <a:avLst/>
-            </a:prstGeom>
-          </p:spPr>
-        </p:pic>
-        <p:sp>
-          <p:nvSpPr>
-            <p:cNvPr id="6" name="矩形 5"/>
-            <p:cNvSpPr/>
-            <p:nvPr/>
-          </p:nvSpPr>
-          <p:spPr>
-            <a:xfrm>
-              <a:off x="1928521" y="1050844"/>
-              <a:ext cx="1829229" cy="839927"/>
-            </a:xfrm>
-            <a:prstGeom prst="rect">
-              <a:avLst/>
-            </a:prstGeom>
-          </p:spPr>
-          <p:txBody>
-            <a:bodyPr wrap="none">
-              <a:spAutoFit/>
-            </a:bodyPr>
-            <a:lstStyle/>
-            <a:p>
-              <a:r>
-                <a:rPr lang="en-US" altLang="zh-CN" dirty="0">
-                  <a:latin typeface="Arial" panose="020B0604020202020204" pitchFamily="34" charset="0"/>
-                  <a:cs typeface="Arial" panose="020B0604020202020204" pitchFamily="34" charset="0"/>
-                </a:rPr>
-                <a:t>r = </a:t>
-              </a:r>
-              <a:r>
-                <a:rPr lang="en-US" altLang="zh-CN" dirty="0" smtClean="0">
-                  <a:latin typeface="Arial" panose="020B0604020202020204" pitchFamily="34" charset="0"/>
-                  <a:cs typeface="Arial" panose="020B0604020202020204" pitchFamily="34" charset="0"/>
-                </a:rPr>
-                <a:t>0.81</a:t>
-              </a:r>
-            </a:p>
-            <a:p>
-              <a:r>
-                <a:rPr lang="en-US" altLang="zh-CN" dirty="0" smtClean="0">
-                  <a:latin typeface="Arial" panose="020B0604020202020204" pitchFamily="34" charset="0"/>
-                  <a:cs typeface="Arial" panose="020B0604020202020204" pitchFamily="34" charset="0"/>
-                </a:rPr>
-                <a:t>Slope=0.53</a:t>
-              </a:r>
-            </a:p>
-            <a:p>
-              <a:r>
-                <a:rPr lang="en-US" altLang="zh-CN" dirty="0" smtClean="0">
-                  <a:latin typeface="Arial" panose="020B0604020202020204" pitchFamily="34" charset="0"/>
-                  <a:cs typeface="Arial" panose="020B0604020202020204" pitchFamily="34" charset="0"/>
-                </a:rPr>
-                <a:t>Data of  the USA</a:t>
-              </a:r>
-              <a:endParaRPr lang="zh-CN" altLang="en-US" dirty="0">
-                <a:latin typeface="Arial" panose="020B0604020202020204" pitchFamily="34" charset="0"/>
-                <a:cs typeface="Arial" panose="020B0604020202020204" pitchFamily="34" charset="0"/>
-              </a:endParaRPr>
-            </a:p>
-          </p:txBody>
-        </p:sp>
-      </p:grpSp>
-      <p:sp>
-        <p:nvSpPr>
-          <p:cNvPr id="2" name="矩形 1"/>
-          <p:cNvSpPr/>
-          <p:nvPr/>
-        </p:nvSpPr>
-        <p:spPr>
-          <a:xfrm>
-            <a:off x="3904537" y="6488668"/>
-            <a:ext cx="4108945" cy="369332"/>
-          </a:xfrm>
-          <a:prstGeom prst="rect">
-            <a:avLst/>
-          </a:prstGeom>
-        </p:spPr>
-        <p:txBody>
-          <a:bodyPr wrap="none">
-            <a:spAutoFit/>
-          </a:bodyPr>
-          <a:lstStyle/>
-          <a:p>
-            <a:pPr algn="ctr"/>
-            <a:r>
-              <a:rPr lang="fi-FI" altLang="zh-CN" dirty="0" smtClean="0">
-                <a:latin typeface="Arial" panose="020B0604020202020204" pitchFamily="34" charset="0"/>
-                <a:cs typeface="Arial" panose="020B0604020202020204" pitchFamily="34" charset="0"/>
-              </a:rPr>
-              <a:t>Tomasetti &amp; Vogelstein, </a:t>
-            </a:r>
-            <a:r>
-              <a:rPr lang="en-US" altLang="zh-CN" dirty="0">
-                <a:latin typeface="Arial" panose="020B0604020202020204" pitchFamily="34" charset="0"/>
-                <a:cs typeface="Arial" panose="020B0604020202020204" pitchFamily="34" charset="0"/>
-              </a:rPr>
-              <a:t>S</a:t>
-            </a:r>
-            <a:r>
-              <a:rPr lang="en-US" altLang="zh-CN" dirty="0" smtClean="0">
-                <a:latin typeface="Arial" panose="020B0604020202020204" pitchFamily="34" charset="0"/>
-                <a:cs typeface="Arial" panose="020B0604020202020204" pitchFamily="34" charset="0"/>
-              </a:rPr>
-              <a:t>cience</a:t>
-            </a:r>
-            <a:r>
-              <a:rPr lang="fi-FI" altLang="zh-CN" dirty="0" smtClean="0">
-                <a:latin typeface="Arial" panose="020B0604020202020204" pitchFamily="34" charset="0"/>
-                <a:cs typeface="Arial" panose="020B0604020202020204" pitchFamily="34" charset="0"/>
-              </a:rPr>
-              <a:t>, 2015</a:t>
-            </a:r>
-            <a:endParaRPr lang="fi-FI" altLang="zh-CN" dirty="0">
-              <a:latin typeface="Arial" panose="020B0604020202020204" pitchFamily="34" charset="0"/>
-              <a:cs typeface="Arial" panose="020B0604020202020204" pitchFamily="34" charset="0"/>
-            </a:endParaRPr>
-          </a:p>
-        </p:txBody>
-      </p:sp>
-    </p:spTree>
-    <p:extLst>
-      <p:ext uri="{BB962C8B-B14F-4D97-AF65-F5344CB8AC3E}">
-        <p14:creationId xmlns:p14="http://schemas.microsoft.com/office/powerpoint/2010/main" val="2860069699"/>
       </p:ext>
     </p:extLst>
   </p:cSld>
